--- a/포스터템플릿.pptx
+++ b/포스터템플릿.pptx
@@ -209,7 +209,7 @@
           <a:p>
             <a:fld id="{D5475B2B-81D0-4A1C-9B75-AD685BAD18D5}" type="datetimeFigureOut">
               <a:rPr lang="ko-KR" altLang="en-US" smtClean="0"/>
-              <a:t>2019-05-15</a:t>
+              <a:t>2019-05-16</a:t>
             </a:fld>
             <a:endParaRPr lang="ko-KR" altLang="en-US"/>
           </a:p>
@@ -700,7 +700,7 @@
           <a:p>
             <a:fld id="{7D3B4925-C897-4FC9-9C3F-DF035C4E64C1}" type="datetimeFigureOut">
               <a:rPr lang="ko-KR" altLang="en-US" smtClean="0"/>
-              <a:t>2019-05-15</a:t>
+              <a:t>2019-05-16</a:t>
             </a:fld>
             <a:endParaRPr lang="ko-KR" altLang="en-US"/>
           </a:p>
@@ -870,7 +870,7 @@
           <a:p>
             <a:fld id="{7D3B4925-C897-4FC9-9C3F-DF035C4E64C1}" type="datetimeFigureOut">
               <a:rPr lang="ko-KR" altLang="en-US" smtClean="0"/>
-              <a:t>2019-05-15</a:t>
+              <a:t>2019-05-16</a:t>
             </a:fld>
             <a:endParaRPr lang="ko-KR" altLang="en-US"/>
           </a:p>
@@ -1050,7 +1050,7 @@
           <a:p>
             <a:fld id="{7D3B4925-C897-4FC9-9C3F-DF035C4E64C1}" type="datetimeFigureOut">
               <a:rPr lang="ko-KR" altLang="en-US" smtClean="0"/>
-              <a:t>2019-05-15</a:t>
+              <a:t>2019-05-16</a:t>
             </a:fld>
             <a:endParaRPr lang="ko-KR" altLang="en-US"/>
           </a:p>
@@ -1220,7 +1220,7 @@
           <a:p>
             <a:fld id="{7D3B4925-C897-4FC9-9C3F-DF035C4E64C1}" type="datetimeFigureOut">
               <a:rPr lang="ko-KR" altLang="en-US" smtClean="0"/>
-              <a:t>2019-05-15</a:t>
+              <a:t>2019-05-16</a:t>
             </a:fld>
             <a:endParaRPr lang="ko-KR" altLang="en-US"/>
           </a:p>
@@ -1466,7 +1466,7 @@
           <a:p>
             <a:fld id="{7D3B4925-C897-4FC9-9C3F-DF035C4E64C1}" type="datetimeFigureOut">
               <a:rPr lang="ko-KR" altLang="en-US" smtClean="0"/>
-              <a:t>2019-05-15</a:t>
+              <a:t>2019-05-16</a:t>
             </a:fld>
             <a:endParaRPr lang="ko-KR" altLang="en-US"/>
           </a:p>
@@ -1698,7 +1698,7 @@
           <a:p>
             <a:fld id="{7D3B4925-C897-4FC9-9C3F-DF035C4E64C1}" type="datetimeFigureOut">
               <a:rPr lang="ko-KR" altLang="en-US" smtClean="0"/>
-              <a:t>2019-05-15</a:t>
+              <a:t>2019-05-16</a:t>
             </a:fld>
             <a:endParaRPr lang="ko-KR" altLang="en-US"/>
           </a:p>
@@ -2065,7 +2065,7 @@
           <a:p>
             <a:fld id="{7D3B4925-C897-4FC9-9C3F-DF035C4E64C1}" type="datetimeFigureOut">
               <a:rPr lang="ko-KR" altLang="en-US" smtClean="0"/>
-              <a:t>2019-05-15</a:t>
+              <a:t>2019-05-16</a:t>
             </a:fld>
             <a:endParaRPr lang="ko-KR" altLang="en-US"/>
           </a:p>
@@ -2183,7 +2183,7 @@
           <a:p>
             <a:fld id="{7D3B4925-C897-4FC9-9C3F-DF035C4E64C1}" type="datetimeFigureOut">
               <a:rPr lang="ko-KR" altLang="en-US" smtClean="0"/>
-              <a:t>2019-05-15</a:t>
+              <a:t>2019-05-16</a:t>
             </a:fld>
             <a:endParaRPr lang="ko-KR" altLang="en-US"/>
           </a:p>
@@ -2278,7 +2278,7 @@
           <a:p>
             <a:fld id="{7D3B4925-C897-4FC9-9C3F-DF035C4E64C1}" type="datetimeFigureOut">
               <a:rPr lang="ko-KR" altLang="en-US" smtClean="0"/>
-              <a:t>2019-05-15</a:t>
+              <a:t>2019-05-16</a:t>
             </a:fld>
             <a:endParaRPr lang="ko-KR" altLang="en-US"/>
           </a:p>
@@ -2555,7 +2555,7 @@
           <a:p>
             <a:fld id="{7D3B4925-C897-4FC9-9C3F-DF035C4E64C1}" type="datetimeFigureOut">
               <a:rPr lang="ko-KR" altLang="en-US" smtClean="0"/>
-              <a:t>2019-05-15</a:t>
+              <a:t>2019-05-16</a:t>
             </a:fld>
             <a:endParaRPr lang="ko-KR" altLang="en-US"/>
           </a:p>
@@ -2808,7 +2808,7 @@
           <a:p>
             <a:fld id="{7D3B4925-C897-4FC9-9C3F-DF035C4E64C1}" type="datetimeFigureOut">
               <a:rPr lang="ko-KR" altLang="en-US" smtClean="0"/>
-              <a:t>2019-05-15</a:t>
+              <a:t>2019-05-16</a:t>
             </a:fld>
             <a:endParaRPr lang="ko-KR" altLang="en-US"/>
           </a:p>
@@ -3021,7 +3021,7 @@
           <a:p>
             <a:fld id="{7D3B4925-C897-4FC9-9C3F-DF035C4E64C1}" type="datetimeFigureOut">
               <a:rPr lang="ko-KR" altLang="en-US" smtClean="0"/>
-              <a:t>2019-05-15</a:t>
+              <a:t>2019-05-16</a:t>
             </a:fld>
             <a:endParaRPr lang="ko-KR" altLang="en-US"/>
           </a:p>
@@ -4123,7 +4123,6 @@
               <a:rPr lang="en-US" altLang="ko-KR" sz="4000" b="1" u="sng" dirty="0" smtClean="0"/>
               <a:t>Hardware Design </a:t>
             </a:r>
-            <a:endParaRPr lang="en-US" altLang="ko-KR" sz="4000" b="1" u="sng" dirty="0" smtClean="0"/>
           </a:p>
         </p:txBody>
       </p:sp>
@@ -4360,15 +4359,7 @@
             </a:r>
             <a:r>
               <a:rPr lang="en-US" altLang="ko-KR" sz="4000" b="1" u="sng" dirty="0" smtClean="0"/>
-              <a:t> / </a:t>
-            </a:r>
-            <a:r>
-              <a:rPr lang="en-US" altLang="ko-KR" sz="4000" b="1" u="sng" dirty="0" smtClean="0"/>
-              <a:t>Execution path </a:t>
-            </a:r>
-            <a:r>
-              <a:rPr lang="en-US" altLang="ko-KR" sz="4000" b="1" u="sng" dirty="0" smtClean="0"/>
-              <a:t>Statistic</a:t>
+              <a:t> / Execution path Statistic</a:t>
             </a:r>
           </a:p>
         </p:txBody>
@@ -5312,6 +5303,36 @@
           </a:p>
         </p:txBody>
       </p:sp>
+      <p:pic>
+        <p:nvPicPr>
+          <p:cNvPr id="32" name="그림 31"/>
+          <p:cNvPicPr>
+            <a:picLocks noChangeAspect="1"/>
+          </p:cNvPicPr>
+          <p:nvPr/>
+        </p:nvPicPr>
+        <p:blipFill>
+          <a:blip r:embed="rId8">
+            <a:extLst>
+              <a:ext uri="{28A0092B-C50C-407E-A947-70E740481C1C}">
+                <a14:useLocalDpi xmlns:a14="http://schemas.microsoft.com/office/drawing/2010/main" val="0"/>
+              </a:ext>
+            </a:extLst>
+          </a:blip>
+          <a:stretch>
+            <a:fillRect/>
+          </a:stretch>
+        </p:blipFill>
+        <p:spPr>
+          <a:xfrm>
+            <a:off x="11928965" y="6063516"/>
+            <a:ext cx="5463686" cy="6862550"/>
+          </a:xfrm>
+          <a:prstGeom prst="rect">
+            <a:avLst/>
+          </a:prstGeom>
+        </p:spPr>
+      </p:pic>
     </p:spTree>
     <p:extLst>
       <p:ext uri="{BB962C8B-B14F-4D97-AF65-F5344CB8AC3E}">
@@ -5351,13 +5372,53 @@
       </p:grpSpPr>
       <p:sp>
         <p:nvSpPr>
+          <p:cNvPr id="51" name="직사각형 50"/>
+          <p:cNvSpPr/>
+          <p:nvPr/>
+        </p:nvSpPr>
+        <p:spPr>
+          <a:xfrm>
+            <a:off x="4052454" y="12585700"/>
+            <a:ext cx="6562977" cy="8237682"/>
+          </a:xfrm>
+          <a:prstGeom prst="rect">
+            <a:avLst/>
+          </a:prstGeom>
+        </p:spPr>
+        <p:style>
+          <a:lnRef idx="3">
+            <a:schemeClr val="lt1"/>
+          </a:lnRef>
+          <a:fillRef idx="1">
+            <a:schemeClr val="accent3"/>
+          </a:fillRef>
+          <a:effectRef idx="1">
+            <a:schemeClr val="accent3"/>
+          </a:effectRef>
+          <a:fontRef idx="minor">
+            <a:schemeClr val="lt1"/>
+          </a:fontRef>
+        </p:style>
+        <p:txBody>
+          <a:bodyPr rtlCol="0" anchor="ctr"/>
+          <a:lstStyle/>
+          <a:p>
+            <a:pPr algn="ctr"/>
+            <a:endParaRPr lang="ko-KR" altLang="en-US">
+              <a:noFill/>
+            </a:endParaRPr>
+          </a:p>
+        </p:txBody>
+      </p:sp>
+      <p:sp>
+        <p:nvSpPr>
           <p:cNvPr id="4" name="직사각형 3"/>
           <p:cNvSpPr/>
           <p:nvPr/>
         </p:nvSpPr>
         <p:spPr>
           <a:xfrm>
-            <a:off x="4821382" y="8146473"/>
+            <a:off x="1496291" y="1371600"/>
             <a:ext cx="2410691" cy="1828800"/>
           </a:xfrm>
           <a:prstGeom prst="rect">
@@ -5395,7 +5456,7 @@
         </p:nvSpPr>
         <p:spPr>
           <a:xfrm>
-            <a:off x="4966854" y="8395855"/>
+            <a:off x="1641763" y="1620982"/>
             <a:ext cx="2410691" cy="1828800"/>
           </a:xfrm>
           <a:prstGeom prst="rect">
@@ -5433,7 +5494,7 @@
         </p:nvSpPr>
         <p:spPr>
           <a:xfrm>
-            <a:off x="5167970" y="8645237"/>
+            <a:off x="1842879" y="1870364"/>
             <a:ext cx="2410691" cy="1828800"/>
           </a:xfrm>
           <a:prstGeom prst="rect">
@@ -5471,7 +5532,7 @@
         </p:nvSpPr>
         <p:spPr>
           <a:xfrm>
-            <a:off x="10951794" y="9434945"/>
+            <a:off x="7626703" y="2660072"/>
             <a:ext cx="2410691" cy="1828800"/>
           </a:xfrm>
           <a:prstGeom prst="rect">
@@ -5509,7 +5570,7 @@
         </p:nvSpPr>
         <p:spPr>
           <a:xfrm>
-            <a:off x="5395101" y="9102436"/>
+            <a:off x="2070010" y="2327563"/>
             <a:ext cx="2860099" cy="2410690"/>
           </a:xfrm>
           <a:prstGeom prst="rect">
@@ -5547,7 +5608,7 @@
         </p:nvSpPr>
         <p:spPr>
           <a:xfrm>
-            <a:off x="8897981" y="10099963"/>
+            <a:off x="5572890" y="3325090"/>
             <a:ext cx="1205655" cy="538706"/>
           </a:xfrm>
           <a:prstGeom prst="roundRect">
@@ -5585,7 +5646,7 @@
         </p:nvSpPr>
         <p:spPr>
           <a:xfrm>
-            <a:off x="8132951" y="10143147"/>
+            <a:off x="4807860" y="3368274"/>
             <a:ext cx="786246" cy="495522"/>
           </a:xfrm>
           <a:prstGeom prst="rightArrow">
@@ -5624,7 +5685,7 @@
         </p:nvSpPr>
         <p:spPr>
           <a:xfrm>
-            <a:off x="10165548" y="10143147"/>
+            <a:off x="6840457" y="3368274"/>
             <a:ext cx="786246" cy="495522"/>
           </a:xfrm>
           <a:prstGeom prst="rightArrow">
@@ -5663,7 +5724,7 @@
         </p:nvSpPr>
         <p:spPr>
           <a:xfrm rot="19726307">
-            <a:off x="6774914" y="10304759"/>
+            <a:off x="3449823" y="3529886"/>
             <a:ext cx="858225" cy="1641535"/>
           </a:xfrm>
           <a:prstGeom prst="downArrow">
@@ -5701,7 +5762,7 @@
         </p:nvSpPr>
         <p:spPr>
           <a:xfrm>
-            <a:off x="6642356" y="11745688"/>
+            <a:off x="3317265" y="4970815"/>
             <a:ext cx="2410691" cy="1828800"/>
           </a:xfrm>
           <a:prstGeom prst="rect">
@@ -5739,7 +5800,7 @@
         </p:nvSpPr>
         <p:spPr>
           <a:xfrm>
-            <a:off x="6817325" y="11995070"/>
+            <a:off x="3492234" y="5220197"/>
             <a:ext cx="2410691" cy="1828800"/>
           </a:xfrm>
           <a:prstGeom prst="rect">
@@ -5777,7 +5838,7 @@
         </p:nvSpPr>
         <p:spPr>
           <a:xfrm>
-            <a:off x="7018441" y="12244452"/>
+            <a:off x="3693350" y="5469579"/>
             <a:ext cx="2410691" cy="1828800"/>
           </a:xfrm>
           <a:prstGeom prst="rect">
@@ -5815,7 +5876,7 @@
         </p:nvSpPr>
         <p:spPr>
           <a:xfrm>
-            <a:off x="12156677" y="14073252"/>
+            <a:off x="8831586" y="7298379"/>
             <a:ext cx="3033716" cy="923330"/>
           </a:xfrm>
           <a:prstGeom prst="rect">
@@ -5880,7 +5941,7 @@
         </p:nvSpPr>
         <p:spPr>
           <a:xfrm>
-            <a:off x="5395101" y="14073252"/>
+            <a:off x="2070010" y="7298379"/>
             <a:ext cx="3872407" cy="923330"/>
           </a:xfrm>
           <a:prstGeom prst="rect">
@@ -5945,7 +6006,7 @@
         </p:nvSpPr>
         <p:spPr>
           <a:xfrm>
-            <a:off x="8255200" y="9382040"/>
+            <a:off x="4930109" y="2607167"/>
             <a:ext cx="2549096" cy="707886"/>
           </a:xfrm>
           <a:prstGeom prst="rect">
@@ -6010,7 +6071,7 @@
         </p:nvSpPr>
         <p:spPr>
           <a:xfrm rot="19352914">
-            <a:off x="11872187" y="9861771"/>
+            <a:off x="8547096" y="3086898"/>
             <a:ext cx="465779" cy="975148"/>
           </a:xfrm>
           <a:prstGeom prst="downArrow">
@@ -6049,7 +6110,7 @@
         </p:nvSpPr>
         <p:spPr>
           <a:xfrm>
-            <a:off x="12343610" y="10681343"/>
+            <a:off x="9018519" y="3906470"/>
             <a:ext cx="2410691" cy="1828800"/>
           </a:xfrm>
           <a:prstGeom prst="rect">
@@ -6087,7 +6148,7 @@
         </p:nvSpPr>
         <p:spPr>
           <a:xfrm>
-            <a:off x="12627854" y="10924748"/>
+            <a:off x="9302763" y="4149875"/>
             <a:ext cx="2410691" cy="1828800"/>
           </a:xfrm>
           <a:prstGeom prst="rect">
@@ -6125,7 +6186,7 @@
         </p:nvSpPr>
         <p:spPr>
           <a:xfrm>
-            <a:off x="12915543" y="11168153"/>
+            <a:off x="9590452" y="4393280"/>
             <a:ext cx="2410691" cy="1828800"/>
           </a:xfrm>
           <a:prstGeom prst="rect">
@@ -6155,6 +6216,1187 @@
           </a:p>
         </p:txBody>
       </p:sp>
+      <p:sp>
+        <p:nvSpPr>
+          <p:cNvPr id="24" name="직사각형 23"/>
+          <p:cNvSpPr/>
+          <p:nvPr/>
+        </p:nvSpPr>
+        <p:spPr>
+          <a:xfrm>
+            <a:off x="4338338" y="12888720"/>
+            <a:ext cx="3449213" cy="571437"/>
+          </a:xfrm>
+          <a:prstGeom prst="rect">
+            <a:avLst/>
+          </a:prstGeom>
+        </p:spPr>
+        <p:style>
+          <a:lnRef idx="2">
+            <a:schemeClr val="dk1"/>
+          </a:lnRef>
+          <a:fillRef idx="1">
+            <a:schemeClr val="lt1"/>
+          </a:fillRef>
+          <a:effectRef idx="0">
+            <a:schemeClr val="dk1"/>
+          </a:effectRef>
+          <a:fontRef idx="minor">
+            <a:schemeClr val="dk1"/>
+          </a:fontRef>
+        </p:style>
+        <p:txBody>
+          <a:bodyPr rtlCol="0" anchor="ctr"/>
+          <a:lstStyle/>
+          <a:p>
+            <a:pPr algn="ctr"/>
+            <a:r>
+              <a:rPr lang="en-US" altLang="ko-KR" sz="1500" dirty="0" smtClean="0">
+                <a:solidFill>
+                  <a:schemeClr val="tx1"/>
+                </a:solidFill>
+              </a:rPr>
+              <a:t>System Call Ct / </a:t>
+            </a:r>
+            <a:r>
+              <a:rPr lang="en-US" altLang="ko-KR" sz="1500" dirty="0" err="1" smtClean="0">
+                <a:solidFill>
+                  <a:schemeClr val="tx1"/>
+                </a:solidFill>
+              </a:rPr>
+              <a:t>Ht</a:t>
+            </a:r>
+            <a:endParaRPr lang="ko-KR" altLang="en-US" sz="1500" dirty="0">
+              <a:solidFill>
+                <a:schemeClr val="tx1"/>
+              </a:solidFill>
+            </a:endParaRPr>
+          </a:p>
+        </p:txBody>
+      </p:sp>
+      <p:sp>
+        <p:nvSpPr>
+          <p:cNvPr id="25" name="직사각형 24"/>
+          <p:cNvSpPr/>
+          <p:nvPr/>
+        </p:nvSpPr>
+        <p:spPr>
+          <a:xfrm>
+            <a:off x="4338338" y="13711157"/>
+            <a:ext cx="3449213" cy="571437"/>
+          </a:xfrm>
+          <a:prstGeom prst="rect">
+            <a:avLst/>
+          </a:prstGeom>
+        </p:spPr>
+        <p:style>
+          <a:lnRef idx="2">
+            <a:schemeClr val="dk1"/>
+          </a:lnRef>
+          <a:fillRef idx="1">
+            <a:schemeClr val="lt1"/>
+          </a:fillRef>
+          <a:effectRef idx="0">
+            <a:schemeClr val="dk1"/>
+          </a:effectRef>
+          <a:fontRef idx="minor">
+            <a:schemeClr val="dk1"/>
+          </a:fontRef>
+        </p:style>
+        <p:txBody>
+          <a:bodyPr rtlCol="0" anchor="ctr"/>
+          <a:lstStyle/>
+          <a:p>
+            <a:pPr algn="ctr"/>
+            <a:r>
+              <a:rPr lang="en-US" altLang="ko-KR" sz="1500" dirty="0" smtClean="0">
+                <a:solidFill>
+                  <a:schemeClr val="tx1"/>
+                </a:solidFill>
+              </a:rPr>
+              <a:t>Branch Ct / </a:t>
+            </a:r>
+            <a:r>
+              <a:rPr lang="en-US" altLang="ko-KR" sz="1500" dirty="0" err="1" smtClean="0">
+                <a:solidFill>
+                  <a:schemeClr val="tx1"/>
+                </a:solidFill>
+              </a:rPr>
+              <a:t>Ht</a:t>
+            </a:r>
+            <a:endParaRPr lang="ko-KR" altLang="en-US" sz="1500" dirty="0">
+              <a:solidFill>
+                <a:schemeClr val="tx1"/>
+              </a:solidFill>
+            </a:endParaRPr>
+          </a:p>
+        </p:txBody>
+      </p:sp>
+      <p:sp>
+        <p:nvSpPr>
+          <p:cNvPr id="26" name="직사각형 25"/>
+          <p:cNvSpPr/>
+          <p:nvPr/>
+        </p:nvSpPr>
+        <p:spPr>
+          <a:xfrm>
+            <a:off x="8954108" y="15635707"/>
+            <a:ext cx="1008073" cy="873227"/>
+          </a:xfrm>
+          <a:prstGeom prst="rect">
+            <a:avLst/>
+          </a:prstGeom>
+        </p:spPr>
+        <p:style>
+          <a:lnRef idx="2">
+            <a:schemeClr val="dk1"/>
+          </a:lnRef>
+          <a:fillRef idx="1">
+            <a:schemeClr val="lt1"/>
+          </a:fillRef>
+          <a:effectRef idx="0">
+            <a:schemeClr val="dk1"/>
+          </a:effectRef>
+          <a:fontRef idx="minor">
+            <a:schemeClr val="dk1"/>
+          </a:fontRef>
+        </p:style>
+        <p:txBody>
+          <a:bodyPr rtlCol="0" anchor="ctr"/>
+          <a:lstStyle/>
+          <a:p>
+            <a:pPr algn="ctr"/>
+            <a:r>
+              <a:rPr lang="en-US" altLang="ko-KR" sz="1500" dirty="0" err="1" smtClean="0">
+                <a:solidFill>
+                  <a:schemeClr val="tx1"/>
+                </a:solidFill>
+              </a:rPr>
+              <a:t>Inpdt</a:t>
+            </a:r>
+            <a:endParaRPr lang="ko-KR" altLang="en-US" sz="1500" dirty="0">
+              <a:solidFill>
+                <a:schemeClr val="tx1"/>
+              </a:solidFill>
+            </a:endParaRPr>
+          </a:p>
+        </p:txBody>
+      </p:sp>
+      <p:sp>
+        <p:nvSpPr>
+          <p:cNvPr id="27" name="직사각형 26"/>
+          <p:cNvSpPr/>
+          <p:nvPr/>
+        </p:nvSpPr>
+        <p:spPr>
+          <a:xfrm>
+            <a:off x="8954108" y="17127399"/>
+            <a:ext cx="1008073" cy="873227"/>
+          </a:xfrm>
+          <a:prstGeom prst="rect">
+            <a:avLst/>
+          </a:prstGeom>
+        </p:spPr>
+        <p:style>
+          <a:lnRef idx="2">
+            <a:schemeClr val="dk1"/>
+          </a:lnRef>
+          <a:fillRef idx="1">
+            <a:schemeClr val="lt1"/>
+          </a:fillRef>
+          <a:effectRef idx="0">
+            <a:schemeClr val="dk1"/>
+          </a:effectRef>
+          <a:fontRef idx="minor">
+            <a:schemeClr val="dk1"/>
+          </a:fontRef>
+        </p:style>
+        <p:txBody>
+          <a:bodyPr rtlCol="0" anchor="ctr"/>
+          <a:lstStyle/>
+          <a:p>
+            <a:pPr algn="ctr"/>
+            <a:r>
+              <a:rPr lang="en-US" altLang="ko-KR" sz="1500" dirty="0" err="1" smtClean="0">
+                <a:solidFill>
+                  <a:schemeClr val="tx1"/>
+                </a:solidFill>
+              </a:rPr>
+              <a:t>Inpdt</a:t>
+            </a:r>
+            <a:endParaRPr lang="ko-KR" altLang="en-US" sz="1500" dirty="0">
+              <a:solidFill>
+                <a:schemeClr val="tx1"/>
+              </a:solidFill>
+            </a:endParaRPr>
+          </a:p>
+        </p:txBody>
+      </p:sp>
+      <p:sp>
+        <p:nvSpPr>
+          <p:cNvPr id="5" name="TextBox 4"/>
+          <p:cNvSpPr txBox="1"/>
+          <p:nvPr/>
+        </p:nvSpPr>
+        <p:spPr>
+          <a:xfrm>
+            <a:off x="9198639" y="16523293"/>
+            <a:ext cx="1016560" cy="605294"/>
+          </a:xfrm>
+          <a:prstGeom prst="rect">
+            <a:avLst/>
+          </a:prstGeom>
+          <a:noFill/>
+          <a:ln>
+            <a:noFill/>
+          </a:ln>
+        </p:spPr>
+        <p:style>
+          <a:lnRef idx="2">
+            <a:schemeClr val="dk1"/>
+          </a:lnRef>
+          <a:fillRef idx="1">
+            <a:schemeClr val="lt1"/>
+          </a:fillRef>
+          <a:effectRef idx="0">
+            <a:schemeClr val="dk1"/>
+          </a:effectRef>
+          <a:fontRef idx="minor">
+            <a:schemeClr val="dk1"/>
+          </a:fontRef>
+        </p:style>
+        <p:txBody>
+          <a:bodyPr vert="eaVert" wrap="none" rtlCol="0">
+            <a:spAutoFit/>
+          </a:bodyPr>
+          <a:lstStyle/>
+          <a:p>
+            <a:r>
+              <a:rPr lang="en-US" altLang="ko-KR" dirty="0" smtClean="0"/>
+              <a:t>…</a:t>
+            </a:r>
+            <a:endParaRPr lang="ko-KR" altLang="en-US" dirty="0"/>
+          </a:p>
+        </p:txBody>
+      </p:sp>
+      <p:sp>
+        <p:nvSpPr>
+          <p:cNvPr id="29" name="직사각형 28"/>
+          <p:cNvSpPr/>
+          <p:nvPr/>
+        </p:nvSpPr>
+        <p:spPr>
+          <a:xfrm>
+            <a:off x="8339008" y="12728545"/>
+            <a:ext cx="1008073" cy="873227"/>
+          </a:xfrm>
+          <a:prstGeom prst="rect">
+            <a:avLst/>
+          </a:prstGeom>
+        </p:spPr>
+        <p:style>
+          <a:lnRef idx="2">
+            <a:schemeClr val="dk1"/>
+          </a:lnRef>
+          <a:fillRef idx="1">
+            <a:schemeClr val="lt1"/>
+          </a:fillRef>
+          <a:effectRef idx="0">
+            <a:schemeClr val="dk1"/>
+          </a:effectRef>
+          <a:fontRef idx="minor">
+            <a:schemeClr val="dk1"/>
+          </a:fontRef>
+        </p:style>
+        <p:txBody>
+          <a:bodyPr rtlCol="0" anchor="ctr"/>
+          <a:lstStyle/>
+          <a:p>
+            <a:pPr algn="ctr"/>
+            <a:r>
+              <a:rPr lang="en-US" altLang="ko-KR" sz="1500" dirty="0" smtClean="0">
+                <a:solidFill>
+                  <a:schemeClr val="tx1"/>
+                </a:solidFill>
+              </a:rPr>
+              <a:t>Sigmoid LUT</a:t>
+            </a:r>
+            <a:endParaRPr lang="ko-KR" altLang="en-US" sz="1500" dirty="0">
+              <a:solidFill>
+                <a:schemeClr val="tx1"/>
+              </a:solidFill>
+            </a:endParaRPr>
+          </a:p>
+        </p:txBody>
+      </p:sp>
+      <p:sp>
+        <p:nvSpPr>
+          <p:cNvPr id="30" name="직사각형 29"/>
+          <p:cNvSpPr/>
+          <p:nvPr/>
+        </p:nvSpPr>
+        <p:spPr>
+          <a:xfrm>
+            <a:off x="8339007" y="13716065"/>
+            <a:ext cx="1008073" cy="873227"/>
+          </a:xfrm>
+          <a:prstGeom prst="rect">
+            <a:avLst/>
+          </a:prstGeom>
+        </p:spPr>
+        <p:style>
+          <a:lnRef idx="2">
+            <a:schemeClr val="dk1"/>
+          </a:lnRef>
+          <a:fillRef idx="1">
+            <a:schemeClr val="lt1"/>
+          </a:fillRef>
+          <a:effectRef idx="0">
+            <a:schemeClr val="dk1"/>
+          </a:effectRef>
+          <a:fontRef idx="minor">
+            <a:schemeClr val="dk1"/>
+          </a:fontRef>
+        </p:style>
+        <p:txBody>
+          <a:bodyPr rtlCol="0" anchor="ctr"/>
+          <a:lstStyle/>
+          <a:p>
+            <a:pPr algn="ctr"/>
+            <a:r>
+              <a:rPr lang="en-US" altLang="ko-KR" sz="1500" dirty="0" err="1" smtClean="0">
+                <a:solidFill>
+                  <a:schemeClr val="tx1"/>
+                </a:solidFill>
+              </a:rPr>
+              <a:t>Tanh</a:t>
+            </a:r>
+            <a:r>
+              <a:rPr lang="en-US" altLang="ko-KR" sz="1500" dirty="0" smtClean="0">
+                <a:solidFill>
+                  <a:schemeClr val="tx1"/>
+                </a:solidFill>
+              </a:rPr>
+              <a:t> </a:t>
+            </a:r>
+          </a:p>
+          <a:p>
+            <a:pPr algn="ctr"/>
+            <a:r>
+              <a:rPr lang="en-US" altLang="ko-KR" sz="1500" dirty="0" smtClean="0">
+                <a:solidFill>
+                  <a:schemeClr val="tx1"/>
+                </a:solidFill>
+              </a:rPr>
+              <a:t>LUT</a:t>
+            </a:r>
+            <a:endParaRPr lang="ko-KR" altLang="en-US" sz="1500" dirty="0">
+              <a:solidFill>
+                <a:schemeClr val="tx1"/>
+              </a:solidFill>
+            </a:endParaRPr>
+          </a:p>
+        </p:txBody>
+      </p:sp>
+      <p:sp>
+        <p:nvSpPr>
+          <p:cNvPr id="34" name="직사각형 33"/>
+          <p:cNvSpPr/>
+          <p:nvPr/>
+        </p:nvSpPr>
+        <p:spPr>
+          <a:xfrm>
+            <a:off x="9458144" y="12728544"/>
+            <a:ext cx="1008073" cy="873227"/>
+          </a:xfrm>
+          <a:prstGeom prst="rect">
+            <a:avLst/>
+          </a:prstGeom>
+        </p:spPr>
+        <p:style>
+          <a:lnRef idx="2">
+            <a:schemeClr val="dk1"/>
+          </a:lnRef>
+          <a:fillRef idx="1">
+            <a:schemeClr val="lt1"/>
+          </a:fillRef>
+          <a:effectRef idx="0">
+            <a:schemeClr val="dk1"/>
+          </a:effectRef>
+          <a:fontRef idx="minor">
+            <a:schemeClr val="dk1"/>
+          </a:fontRef>
+        </p:style>
+        <p:txBody>
+          <a:bodyPr rtlCol="0" anchor="ctr"/>
+          <a:lstStyle/>
+          <a:p>
+            <a:pPr algn="ctr"/>
+            <a:r>
+              <a:rPr lang="en-US" altLang="ko-KR" sz="1500" dirty="0" smtClean="0">
+                <a:solidFill>
+                  <a:schemeClr val="tx1"/>
+                </a:solidFill>
+              </a:rPr>
+              <a:t>Sigmoid LUT</a:t>
+            </a:r>
+            <a:endParaRPr lang="ko-KR" altLang="en-US" sz="1500" dirty="0">
+              <a:solidFill>
+                <a:schemeClr val="tx1"/>
+              </a:solidFill>
+            </a:endParaRPr>
+          </a:p>
+        </p:txBody>
+      </p:sp>
+      <p:sp>
+        <p:nvSpPr>
+          <p:cNvPr id="35" name="직사각형 34"/>
+          <p:cNvSpPr/>
+          <p:nvPr/>
+        </p:nvSpPr>
+        <p:spPr>
+          <a:xfrm>
+            <a:off x="9458143" y="13716065"/>
+            <a:ext cx="1008073" cy="873227"/>
+          </a:xfrm>
+          <a:prstGeom prst="rect">
+            <a:avLst/>
+          </a:prstGeom>
+        </p:spPr>
+        <p:style>
+          <a:lnRef idx="2">
+            <a:schemeClr val="dk1"/>
+          </a:lnRef>
+          <a:fillRef idx="1">
+            <a:schemeClr val="lt1"/>
+          </a:fillRef>
+          <a:effectRef idx="0">
+            <a:schemeClr val="dk1"/>
+          </a:effectRef>
+          <a:fontRef idx="minor">
+            <a:schemeClr val="dk1"/>
+          </a:fontRef>
+        </p:style>
+        <p:txBody>
+          <a:bodyPr rtlCol="0" anchor="ctr"/>
+          <a:lstStyle/>
+          <a:p>
+            <a:pPr algn="ctr"/>
+            <a:r>
+              <a:rPr lang="en-US" altLang="ko-KR" sz="1500" dirty="0" err="1" smtClean="0">
+                <a:solidFill>
+                  <a:schemeClr val="tx1"/>
+                </a:solidFill>
+              </a:rPr>
+              <a:t>Tanh</a:t>
+            </a:r>
+            <a:r>
+              <a:rPr lang="en-US" altLang="ko-KR" sz="1500" dirty="0" smtClean="0">
+                <a:solidFill>
+                  <a:schemeClr val="tx1"/>
+                </a:solidFill>
+              </a:rPr>
+              <a:t> </a:t>
+            </a:r>
+          </a:p>
+          <a:p>
+            <a:pPr algn="ctr"/>
+            <a:r>
+              <a:rPr lang="en-US" altLang="ko-KR" sz="1500" dirty="0" smtClean="0">
+                <a:solidFill>
+                  <a:schemeClr val="tx1"/>
+                </a:solidFill>
+              </a:rPr>
+              <a:t>LUT</a:t>
+            </a:r>
+            <a:endParaRPr lang="ko-KR" altLang="en-US" sz="1500" dirty="0">
+              <a:solidFill>
+                <a:schemeClr val="tx1"/>
+              </a:solidFill>
+            </a:endParaRPr>
+          </a:p>
+        </p:txBody>
+      </p:sp>
+      <p:sp>
+        <p:nvSpPr>
+          <p:cNvPr id="36" name="직사각형 35"/>
+          <p:cNvSpPr/>
+          <p:nvPr/>
+        </p:nvSpPr>
+        <p:spPr>
+          <a:xfrm>
+            <a:off x="8622316" y="19097261"/>
+            <a:ext cx="454116" cy="403099"/>
+          </a:xfrm>
+          <a:prstGeom prst="rect">
+            <a:avLst/>
+          </a:prstGeom>
+        </p:spPr>
+        <p:style>
+          <a:lnRef idx="2">
+            <a:schemeClr val="dk1"/>
+          </a:lnRef>
+          <a:fillRef idx="1">
+            <a:schemeClr val="lt1"/>
+          </a:fillRef>
+          <a:effectRef idx="0">
+            <a:schemeClr val="dk1"/>
+          </a:effectRef>
+          <a:fontRef idx="minor">
+            <a:schemeClr val="dk1"/>
+          </a:fontRef>
+        </p:style>
+        <p:txBody>
+          <a:bodyPr rtlCol="0" anchor="ctr"/>
+          <a:lstStyle/>
+          <a:p>
+            <a:pPr algn="ctr"/>
+            <a:endParaRPr lang="ko-KR" altLang="en-US" sz="1500" dirty="0">
+              <a:solidFill>
+                <a:schemeClr val="tx1"/>
+              </a:solidFill>
+            </a:endParaRPr>
+          </a:p>
+        </p:txBody>
+      </p:sp>
+      <p:sp>
+        <p:nvSpPr>
+          <p:cNvPr id="37" name="직사각형 36"/>
+          <p:cNvSpPr/>
+          <p:nvPr/>
+        </p:nvSpPr>
+        <p:spPr>
+          <a:xfrm>
+            <a:off x="9216326" y="19097260"/>
+            <a:ext cx="454116" cy="403099"/>
+          </a:xfrm>
+          <a:prstGeom prst="rect">
+            <a:avLst/>
+          </a:prstGeom>
+        </p:spPr>
+        <p:style>
+          <a:lnRef idx="2">
+            <a:schemeClr val="dk1"/>
+          </a:lnRef>
+          <a:fillRef idx="1">
+            <a:schemeClr val="lt1"/>
+          </a:fillRef>
+          <a:effectRef idx="0">
+            <a:schemeClr val="dk1"/>
+          </a:effectRef>
+          <a:fontRef idx="minor">
+            <a:schemeClr val="dk1"/>
+          </a:fontRef>
+        </p:style>
+        <p:txBody>
+          <a:bodyPr rtlCol="0" anchor="ctr"/>
+          <a:lstStyle/>
+          <a:p>
+            <a:pPr algn="ctr"/>
+            <a:endParaRPr lang="ko-KR" altLang="en-US" sz="1500" dirty="0">
+              <a:solidFill>
+                <a:schemeClr val="tx1"/>
+              </a:solidFill>
+            </a:endParaRPr>
+          </a:p>
+        </p:txBody>
+      </p:sp>
+      <p:sp>
+        <p:nvSpPr>
+          <p:cNvPr id="42" name="직사각형 41"/>
+          <p:cNvSpPr/>
+          <p:nvPr/>
+        </p:nvSpPr>
+        <p:spPr>
+          <a:xfrm>
+            <a:off x="9810336" y="19097260"/>
+            <a:ext cx="454116" cy="403099"/>
+          </a:xfrm>
+          <a:prstGeom prst="rect">
+            <a:avLst/>
+          </a:prstGeom>
+        </p:spPr>
+        <p:style>
+          <a:lnRef idx="2">
+            <a:schemeClr val="dk1"/>
+          </a:lnRef>
+          <a:fillRef idx="1">
+            <a:schemeClr val="lt1"/>
+          </a:fillRef>
+          <a:effectRef idx="0">
+            <a:schemeClr val="dk1"/>
+          </a:effectRef>
+          <a:fontRef idx="minor">
+            <a:schemeClr val="dk1"/>
+          </a:fontRef>
+        </p:style>
+        <p:txBody>
+          <a:bodyPr rtlCol="0" anchor="ctr"/>
+          <a:lstStyle/>
+          <a:p>
+            <a:pPr algn="ctr"/>
+            <a:endParaRPr lang="ko-KR" altLang="en-US" sz="1500" dirty="0">
+              <a:solidFill>
+                <a:schemeClr val="tx1"/>
+              </a:solidFill>
+            </a:endParaRPr>
+          </a:p>
+        </p:txBody>
+      </p:sp>
+      <p:sp>
+        <p:nvSpPr>
+          <p:cNvPr id="44" name="직사각형 43"/>
+          <p:cNvSpPr/>
+          <p:nvPr/>
+        </p:nvSpPr>
+        <p:spPr>
+          <a:xfrm>
+            <a:off x="8622316" y="20118825"/>
+            <a:ext cx="454116" cy="403099"/>
+          </a:xfrm>
+          <a:prstGeom prst="rect">
+            <a:avLst/>
+          </a:prstGeom>
+        </p:spPr>
+        <p:style>
+          <a:lnRef idx="2">
+            <a:schemeClr val="dk1"/>
+          </a:lnRef>
+          <a:fillRef idx="1">
+            <a:schemeClr val="lt1"/>
+          </a:fillRef>
+          <a:effectRef idx="0">
+            <a:schemeClr val="dk1"/>
+          </a:effectRef>
+          <a:fontRef idx="minor">
+            <a:schemeClr val="dk1"/>
+          </a:fontRef>
+        </p:style>
+        <p:txBody>
+          <a:bodyPr rtlCol="0" anchor="ctr"/>
+          <a:lstStyle/>
+          <a:p>
+            <a:pPr algn="ctr"/>
+            <a:endParaRPr lang="ko-KR" altLang="en-US" sz="1500" dirty="0">
+              <a:solidFill>
+                <a:schemeClr val="tx1"/>
+              </a:solidFill>
+            </a:endParaRPr>
+          </a:p>
+        </p:txBody>
+      </p:sp>
+      <p:sp>
+        <p:nvSpPr>
+          <p:cNvPr id="45" name="직사각형 44"/>
+          <p:cNvSpPr/>
+          <p:nvPr/>
+        </p:nvSpPr>
+        <p:spPr>
+          <a:xfrm>
+            <a:off x="9216326" y="20118824"/>
+            <a:ext cx="454116" cy="403099"/>
+          </a:xfrm>
+          <a:prstGeom prst="rect">
+            <a:avLst/>
+          </a:prstGeom>
+        </p:spPr>
+        <p:style>
+          <a:lnRef idx="2">
+            <a:schemeClr val="dk1"/>
+          </a:lnRef>
+          <a:fillRef idx="1">
+            <a:schemeClr val="lt1"/>
+          </a:fillRef>
+          <a:effectRef idx="0">
+            <a:schemeClr val="dk1"/>
+          </a:effectRef>
+          <a:fontRef idx="minor">
+            <a:schemeClr val="dk1"/>
+          </a:fontRef>
+        </p:style>
+        <p:txBody>
+          <a:bodyPr rtlCol="0" anchor="ctr"/>
+          <a:lstStyle/>
+          <a:p>
+            <a:pPr algn="ctr"/>
+            <a:endParaRPr lang="ko-KR" altLang="en-US" sz="1500" dirty="0">
+              <a:solidFill>
+                <a:schemeClr val="tx1"/>
+              </a:solidFill>
+            </a:endParaRPr>
+          </a:p>
+        </p:txBody>
+      </p:sp>
+      <p:sp>
+        <p:nvSpPr>
+          <p:cNvPr id="46" name="직사각형 45"/>
+          <p:cNvSpPr/>
+          <p:nvPr/>
+        </p:nvSpPr>
+        <p:spPr>
+          <a:xfrm>
+            <a:off x="9810336" y="20118824"/>
+            <a:ext cx="454116" cy="403099"/>
+          </a:xfrm>
+          <a:prstGeom prst="rect">
+            <a:avLst/>
+          </a:prstGeom>
+        </p:spPr>
+        <p:style>
+          <a:lnRef idx="2">
+            <a:schemeClr val="dk1"/>
+          </a:lnRef>
+          <a:fillRef idx="1">
+            <a:schemeClr val="lt1"/>
+          </a:fillRef>
+          <a:effectRef idx="0">
+            <a:schemeClr val="dk1"/>
+          </a:effectRef>
+          <a:fontRef idx="minor">
+            <a:schemeClr val="dk1"/>
+          </a:fontRef>
+        </p:style>
+        <p:txBody>
+          <a:bodyPr rtlCol="0" anchor="ctr"/>
+          <a:lstStyle/>
+          <a:p>
+            <a:pPr algn="ctr"/>
+            <a:endParaRPr lang="ko-KR" altLang="en-US" sz="1500" dirty="0">
+              <a:solidFill>
+                <a:schemeClr val="tx1"/>
+              </a:solidFill>
+            </a:endParaRPr>
+          </a:p>
+        </p:txBody>
+      </p:sp>
+      <p:sp>
+        <p:nvSpPr>
+          <p:cNvPr id="47" name="TextBox 46"/>
+          <p:cNvSpPr txBox="1"/>
+          <p:nvPr/>
+        </p:nvSpPr>
+        <p:spPr>
+          <a:xfrm>
+            <a:off x="9198639" y="19519443"/>
+            <a:ext cx="1016560" cy="605294"/>
+          </a:xfrm>
+          <a:prstGeom prst="rect">
+            <a:avLst/>
+          </a:prstGeom>
+          <a:noFill/>
+          <a:ln>
+            <a:noFill/>
+          </a:ln>
+        </p:spPr>
+        <p:style>
+          <a:lnRef idx="2">
+            <a:schemeClr val="dk1"/>
+          </a:lnRef>
+          <a:fillRef idx="1">
+            <a:schemeClr val="lt1"/>
+          </a:fillRef>
+          <a:effectRef idx="0">
+            <a:schemeClr val="dk1"/>
+          </a:effectRef>
+          <a:fontRef idx="minor">
+            <a:schemeClr val="dk1"/>
+          </a:fontRef>
+        </p:style>
+        <p:txBody>
+          <a:bodyPr vert="eaVert" wrap="none" rtlCol="0">
+            <a:spAutoFit/>
+          </a:bodyPr>
+          <a:lstStyle/>
+          <a:p>
+            <a:r>
+              <a:rPr lang="en-US" altLang="ko-KR" dirty="0" smtClean="0"/>
+              <a:t>…</a:t>
+            </a:r>
+            <a:endParaRPr lang="ko-KR" altLang="en-US" dirty="0"/>
+          </a:p>
+        </p:txBody>
+      </p:sp>
+      <p:sp>
+        <p:nvSpPr>
+          <p:cNvPr id="6" name="TextBox 5"/>
+          <p:cNvSpPr txBox="1"/>
+          <p:nvPr/>
+        </p:nvSpPr>
+        <p:spPr>
+          <a:xfrm>
+            <a:off x="8419288" y="18694066"/>
+            <a:ext cx="2114681" cy="323165"/>
+          </a:xfrm>
+          <a:prstGeom prst="rect">
+            <a:avLst/>
+          </a:prstGeom>
+          <a:noFill/>
+          <a:ln>
+            <a:noFill/>
+          </a:ln>
+        </p:spPr>
+        <p:style>
+          <a:lnRef idx="2">
+            <a:schemeClr val="dk1"/>
+          </a:lnRef>
+          <a:fillRef idx="1">
+            <a:schemeClr val="lt1"/>
+          </a:fillRef>
+          <a:effectRef idx="0">
+            <a:schemeClr val="dk1"/>
+          </a:effectRef>
+          <a:fontRef idx="minor">
+            <a:schemeClr val="dk1"/>
+          </a:fontRef>
+        </p:style>
+        <p:txBody>
+          <a:bodyPr wrap="none" rtlCol="0">
+            <a:spAutoFit/>
+          </a:bodyPr>
+          <a:lstStyle/>
+          <a:p>
+            <a:r>
+              <a:rPr lang="en-US" altLang="ko-KR" sz="1500" dirty="0" smtClean="0"/>
+              <a:t>Quantization Modules</a:t>
+            </a:r>
+            <a:endParaRPr lang="ko-KR" altLang="en-US" sz="1500" dirty="0"/>
+          </a:p>
+        </p:txBody>
+      </p:sp>
+      <p:sp>
+        <p:nvSpPr>
+          <p:cNvPr id="48" name="직사각형 47"/>
+          <p:cNvSpPr/>
+          <p:nvPr/>
+        </p:nvSpPr>
+        <p:spPr>
+          <a:xfrm>
+            <a:off x="4327161" y="17433610"/>
+            <a:ext cx="1566677" cy="3091746"/>
+          </a:xfrm>
+          <a:prstGeom prst="rect">
+            <a:avLst/>
+          </a:prstGeom>
+        </p:spPr>
+        <p:style>
+          <a:lnRef idx="2">
+            <a:schemeClr val="dk1"/>
+          </a:lnRef>
+          <a:fillRef idx="1">
+            <a:schemeClr val="lt1"/>
+          </a:fillRef>
+          <a:effectRef idx="0">
+            <a:schemeClr val="dk1"/>
+          </a:effectRef>
+          <a:fontRef idx="minor">
+            <a:schemeClr val="dk1"/>
+          </a:fontRef>
+        </p:style>
+        <p:txBody>
+          <a:bodyPr rtlCol="0" anchor="ctr"/>
+          <a:lstStyle/>
+          <a:p>
+            <a:pPr algn="ctr"/>
+            <a:r>
+              <a:rPr lang="en-US" altLang="ko-KR" sz="1500" dirty="0" smtClean="0">
+                <a:solidFill>
+                  <a:schemeClr val="tx1"/>
+                </a:solidFill>
+              </a:rPr>
+              <a:t>WEIGHT</a:t>
+            </a:r>
+          </a:p>
+          <a:p>
+            <a:pPr algn="ctr"/>
+            <a:r>
+              <a:rPr lang="en-US" altLang="ko-KR" sz="1500" dirty="0" smtClean="0">
+                <a:solidFill>
+                  <a:schemeClr val="tx1"/>
+                </a:solidFill>
+              </a:rPr>
+              <a:t>BRAM</a:t>
+            </a:r>
+            <a:endParaRPr lang="ko-KR" altLang="en-US" sz="1500" dirty="0">
+              <a:solidFill>
+                <a:schemeClr val="tx1"/>
+              </a:solidFill>
+            </a:endParaRPr>
+          </a:p>
+        </p:txBody>
+      </p:sp>
+      <p:sp>
+        <p:nvSpPr>
+          <p:cNvPr id="49" name="직사각형 48"/>
+          <p:cNvSpPr/>
+          <p:nvPr/>
+        </p:nvSpPr>
+        <p:spPr>
+          <a:xfrm>
+            <a:off x="6062945" y="17430177"/>
+            <a:ext cx="1566677" cy="3091746"/>
+          </a:xfrm>
+          <a:prstGeom prst="rect">
+            <a:avLst/>
+          </a:prstGeom>
+        </p:spPr>
+        <p:style>
+          <a:lnRef idx="2">
+            <a:schemeClr val="dk1"/>
+          </a:lnRef>
+          <a:fillRef idx="1">
+            <a:schemeClr val="lt1"/>
+          </a:fillRef>
+          <a:effectRef idx="0">
+            <a:schemeClr val="dk1"/>
+          </a:effectRef>
+          <a:fontRef idx="minor">
+            <a:schemeClr val="dk1"/>
+          </a:fontRef>
+        </p:style>
+        <p:txBody>
+          <a:bodyPr rtlCol="0" anchor="ctr"/>
+          <a:lstStyle/>
+          <a:p>
+            <a:pPr algn="ctr"/>
+            <a:r>
+              <a:rPr lang="en-US" altLang="ko-KR" sz="1500" dirty="0" smtClean="0">
+                <a:solidFill>
+                  <a:schemeClr val="tx1"/>
+                </a:solidFill>
+              </a:rPr>
+              <a:t>BIAS</a:t>
+            </a:r>
+          </a:p>
+          <a:p>
+            <a:pPr algn="ctr"/>
+            <a:r>
+              <a:rPr lang="en-US" altLang="ko-KR" sz="1500" dirty="0" smtClean="0">
+                <a:solidFill>
+                  <a:schemeClr val="tx1"/>
+                </a:solidFill>
+              </a:rPr>
+              <a:t>BRAM</a:t>
+            </a:r>
+            <a:endParaRPr lang="ko-KR" altLang="en-US" sz="1500" dirty="0">
+              <a:solidFill>
+                <a:schemeClr val="tx1"/>
+              </a:solidFill>
+            </a:endParaRPr>
+          </a:p>
+        </p:txBody>
+      </p:sp>
+      <p:sp>
+        <p:nvSpPr>
+          <p:cNvPr id="7" name="타원 6"/>
+          <p:cNvSpPr/>
+          <p:nvPr/>
+        </p:nvSpPr>
+        <p:spPr>
+          <a:xfrm>
+            <a:off x="4253569" y="14589292"/>
+            <a:ext cx="4045043" cy="2575697"/>
+          </a:xfrm>
+          <a:prstGeom prst="ellipse">
+            <a:avLst/>
+          </a:prstGeom>
+        </p:spPr>
+        <p:style>
+          <a:lnRef idx="2">
+            <a:schemeClr val="dk1"/>
+          </a:lnRef>
+          <a:fillRef idx="1">
+            <a:schemeClr val="lt1"/>
+          </a:fillRef>
+          <a:effectRef idx="0">
+            <a:schemeClr val="dk1"/>
+          </a:effectRef>
+          <a:fontRef idx="minor">
+            <a:schemeClr val="dk1"/>
+          </a:fontRef>
+        </p:style>
+        <p:txBody>
+          <a:bodyPr rtlCol="0" anchor="ctr"/>
+          <a:lstStyle/>
+          <a:p>
+            <a:pPr algn="ctr"/>
+            <a:r>
+              <a:rPr lang="en-US" altLang="ko-KR" sz="2000" dirty="0" smtClean="0"/>
+              <a:t>Controller</a:t>
+            </a:r>
+            <a:endParaRPr lang="ko-KR" altLang="en-US" sz="2000" dirty="0"/>
+          </a:p>
+        </p:txBody>
+      </p:sp>
+      <p:cxnSp>
+        <p:nvCxnSpPr>
+          <p:cNvPr id="16" name="직선 화살표 연결선 15"/>
+          <p:cNvCxnSpPr/>
+          <p:nvPr/>
+        </p:nvCxnSpPr>
+        <p:spPr>
+          <a:xfrm>
+            <a:off x="7747378" y="19378939"/>
+            <a:ext cx="671910" cy="0"/>
+          </a:xfrm>
+          <a:prstGeom prst="straightConnector1">
+            <a:avLst/>
+          </a:prstGeom>
+          <a:ln>
+            <a:headEnd type="triangle"/>
+            <a:tailEnd type="triangle"/>
+          </a:ln>
+        </p:spPr>
+        <p:style>
+          <a:lnRef idx="2">
+            <a:schemeClr val="dk1"/>
+          </a:lnRef>
+          <a:fillRef idx="1">
+            <a:schemeClr val="lt1"/>
+          </a:fillRef>
+          <a:effectRef idx="0">
+            <a:schemeClr val="dk1"/>
+          </a:effectRef>
+          <a:fontRef idx="minor">
+            <a:schemeClr val="dk1"/>
+          </a:fontRef>
+        </p:style>
+      </p:cxnSp>
+      <p:cxnSp>
+        <p:nvCxnSpPr>
+          <p:cNvPr id="50" name="직선 화살표 연결선 49"/>
+          <p:cNvCxnSpPr/>
+          <p:nvPr/>
+        </p:nvCxnSpPr>
+        <p:spPr>
+          <a:xfrm>
+            <a:off x="9458145" y="18105291"/>
+            <a:ext cx="0" cy="588775"/>
+          </a:xfrm>
+          <a:prstGeom prst="straightConnector1">
+            <a:avLst/>
+          </a:prstGeom>
+          <a:ln>
+            <a:headEnd type="triangle"/>
+            <a:tailEnd type="triangle"/>
+          </a:ln>
+        </p:spPr>
+        <p:style>
+          <a:lnRef idx="2">
+            <a:schemeClr val="dk1"/>
+          </a:lnRef>
+          <a:fillRef idx="1">
+            <a:schemeClr val="lt1"/>
+          </a:fillRef>
+          <a:effectRef idx="0">
+            <a:schemeClr val="dk1"/>
+          </a:effectRef>
+          <a:fontRef idx="minor">
+            <a:schemeClr val="dk1"/>
+          </a:fontRef>
+        </p:style>
+      </p:cxnSp>
+      <p:cxnSp>
+        <p:nvCxnSpPr>
+          <p:cNvPr id="60" name="직선 화살표 연결선 59"/>
+          <p:cNvCxnSpPr/>
+          <p:nvPr/>
+        </p:nvCxnSpPr>
+        <p:spPr>
+          <a:xfrm>
+            <a:off x="10233215" y="14868525"/>
+            <a:ext cx="22715" cy="3825541"/>
+          </a:xfrm>
+          <a:prstGeom prst="straightConnector1">
+            <a:avLst/>
+          </a:prstGeom>
+          <a:ln>
+            <a:headEnd type="triangle"/>
+            <a:tailEnd type="triangle"/>
+          </a:ln>
+        </p:spPr>
+        <p:style>
+          <a:lnRef idx="2">
+            <a:schemeClr val="dk1"/>
+          </a:lnRef>
+          <a:fillRef idx="1">
+            <a:schemeClr val="lt1"/>
+          </a:fillRef>
+          <a:effectRef idx="0">
+            <a:schemeClr val="dk1"/>
+          </a:effectRef>
+          <a:fontRef idx="minor">
+            <a:schemeClr val="dk1"/>
+          </a:fontRef>
+        </p:style>
+      </p:cxnSp>
+      <p:cxnSp>
+        <p:nvCxnSpPr>
+          <p:cNvPr id="63" name="직선 화살표 연결선 62"/>
+          <p:cNvCxnSpPr/>
+          <p:nvPr/>
+        </p:nvCxnSpPr>
+        <p:spPr>
+          <a:xfrm>
+            <a:off x="9445963" y="14868525"/>
+            <a:ext cx="0" cy="653119"/>
+          </a:xfrm>
+          <a:prstGeom prst="straightConnector1">
+            <a:avLst/>
+          </a:prstGeom>
+          <a:ln>
+            <a:headEnd type="triangle"/>
+            <a:tailEnd type="triangle"/>
+          </a:ln>
+        </p:spPr>
+        <p:style>
+          <a:lnRef idx="2">
+            <a:schemeClr val="dk1"/>
+          </a:lnRef>
+          <a:fillRef idx="1">
+            <a:schemeClr val="lt1"/>
+          </a:fillRef>
+          <a:effectRef idx="0">
+            <a:schemeClr val="dk1"/>
+          </a:effectRef>
+          <a:fontRef idx="minor">
+            <a:schemeClr val="dk1"/>
+          </a:fontRef>
+        </p:style>
+      </p:cxnSp>
+      <p:cxnSp>
+        <p:nvCxnSpPr>
+          <p:cNvPr id="67" name="직선 화살표 연결선 66"/>
+          <p:cNvCxnSpPr/>
+          <p:nvPr/>
+        </p:nvCxnSpPr>
+        <p:spPr>
+          <a:xfrm flipV="1">
+            <a:off x="7747378" y="16935450"/>
+            <a:ext cx="1084208" cy="1136830"/>
+          </a:xfrm>
+          <a:prstGeom prst="straightConnector1">
+            <a:avLst/>
+          </a:prstGeom>
+          <a:ln>
+            <a:headEnd type="triangle"/>
+            <a:tailEnd type="triangle"/>
+          </a:ln>
+        </p:spPr>
+        <p:style>
+          <a:lnRef idx="2">
+            <a:schemeClr val="dk1"/>
+          </a:lnRef>
+          <a:fillRef idx="1">
+            <a:schemeClr val="lt1"/>
+          </a:fillRef>
+          <a:effectRef idx="0">
+            <a:schemeClr val="dk1"/>
+          </a:effectRef>
+          <a:fontRef idx="minor">
+            <a:schemeClr val="dk1"/>
+          </a:fontRef>
+        </p:style>
+      </p:cxnSp>
     </p:spTree>
     <p:extLst>
       <p:ext uri="{BB962C8B-B14F-4D97-AF65-F5344CB8AC3E}">
